--- a/archer/Links.pptx
+++ b/archer/Links.pptx
@@ -288,7 +288,7 @@
           <a:p>
             <a:fld id="{C069A62D-AF70-4431-90AB-B3F6205E1FC5}" type="datetimeFigureOut">
               <a:rPr lang="en-GB" smtClean="0"/>
-              <a:t>20/08/2014</a:t>
+              <a:t>03/09/2014</a:t>
             </a:fld>
             <a:endParaRPr lang="en-GB"/>
           </a:p>
@@ -458,7 +458,7 @@
           <a:p>
             <a:fld id="{C069A62D-AF70-4431-90AB-B3F6205E1FC5}" type="datetimeFigureOut">
               <a:rPr lang="en-GB" smtClean="0"/>
-              <a:t>20/08/2014</a:t>
+              <a:t>03/09/2014</a:t>
             </a:fld>
             <a:endParaRPr lang="en-GB"/>
           </a:p>
@@ -638,7 +638,7 @@
           <a:p>
             <a:fld id="{C069A62D-AF70-4431-90AB-B3F6205E1FC5}" type="datetimeFigureOut">
               <a:rPr lang="en-GB" smtClean="0"/>
-              <a:t>20/08/2014</a:t>
+              <a:t>03/09/2014</a:t>
             </a:fld>
             <a:endParaRPr lang="en-GB"/>
           </a:p>
@@ -808,7 +808,7 @@
           <a:p>
             <a:fld id="{C069A62D-AF70-4431-90AB-B3F6205E1FC5}" type="datetimeFigureOut">
               <a:rPr lang="en-GB" smtClean="0"/>
-              <a:t>20/08/2014</a:t>
+              <a:t>03/09/2014</a:t>
             </a:fld>
             <a:endParaRPr lang="en-GB"/>
           </a:p>
@@ -1054,7 +1054,7 @@
           <a:p>
             <a:fld id="{C069A62D-AF70-4431-90AB-B3F6205E1FC5}" type="datetimeFigureOut">
               <a:rPr lang="en-GB" smtClean="0"/>
-              <a:t>20/08/2014</a:t>
+              <a:t>03/09/2014</a:t>
             </a:fld>
             <a:endParaRPr lang="en-GB"/>
           </a:p>
@@ -1342,7 +1342,7 @@
           <a:p>
             <a:fld id="{C069A62D-AF70-4431-90AB-B3F6205E1FC5}" type="datetimeFigureOut">
               <a:rPr lang="en-GB" smtClean="0"/>
-              <a:t>20/08/2014</a:t>
+              <a:t>03/09/2014</a:t>
             </a:fld>
             <a:endParaRPr lang="en-GB"/>
           </a:p>
@@ -1764,7 +1764,7 @@
           <a:p>
             <a:fld id="{C069A62D-AF70-4431-90AB-B3F6205E1FC5}" type="datetimeFigureOut">
               <a:rPr lang="en-GB" smtClean="0"/>
-              <a:t>20/08/2014</a:t>
+              <a:t>03/09/2014</a:t>
             </a:fld>
             <a:endParaRPr lang="en-GB"/>
           </a:p>
@@ -1882,7 +1882,7 @@
           <a:p>
             <a:fld id="{C069A62D-AF70-4431-90AB-B3F6205E1FC5}" type="datetimeFigureOut">
               <a:rPr lang="en-GB" smtClean="0"/>
-              <a:t>20/08/2014</a:t>
+              <a:t>03/09/2014</a:t>
             </a:fld>
             <a:endParaRPr lang="en-GB"/>
           </a:p>
@@ -1977,7 +1977,7 @@
           <a:p>
             <a:fld id="{C069A62D-AF70-4431-90AB-B3F6205E1FC5}" type="datetimeFigureOut">
               <a:rPr lang="en-GB" smtClean="0"/>
-              <a:t>20/08/2014</a:t>
+              <a:t>03/09/2014</a:t>
             </a:fld>
             <a:endParaRPr lang="en-GB"/>
           </a:p>
@@ -2254,7 +2254,7 @@
           <a:p>
             <a:fld id="{C069A62D-AF70-4431-90AB-B3F6205E1FC5}" type="datetimeFigureOut">
               <a:rPr lang="en-GB" smtClean="0"/>
-              <a:t>20/08/2014</a:t>
+              <a:t>03/09/2014</a:t>
             </a:fld>
             <a:endParaRPr lang="en-GB"/>
           </a:p>
@@ -2507,7 +2507,7 @@
           <a:p>
             <a:fld id="{C069A62D-AF70-4431-90AB-B3F6205E1FC5}" type="datetimeFigureOut">
               <a:rPr lang="en-GB" smtClean="0"/>
-              <a:t>20/08/2014</a:t>
+              <a:t>03/09/2014</a:t>
             </a:fld>
             <a:endParaRPr lang="en-GB"/>
           </a:p>
@@ -2720,7 +2720,7 @@
           <a:p>
             <a:fld id="{C069A62D-AF70-4431-90AB-B3F6205E1FC5}" type="datetimeFigureOut">
               <a:rPr lang="en-GB" smtClean="0"/>
-              <a:t>20/08/2014</a:t>
+              <a:t>03/09/2014</a:t>
             </a:fld>
             <a:endParaRPr lang="en-GB"/>
           </a:p>
@@ -3113,7 +3113,7 @@
         </p:spPr>
         <p:txBody>
           <a:bodyPr>
-            <a:normAutofit fontScale="92500" lnSpcReduction="20000"/>
+            <a:normAutofit fontScale="92500" lnSpcReduction="10000"/>
           </a:bodyPr>
           <a:lstStyle/>
           <a:p>
@@ -3175,17 +3175,16 @@
           <a:p>
             <a:pPr lvl="1"/>
             <a:r>
-              <a:rPr lang="en-GB" dirty="0"/>
-              <a:t>Web site</a:t>
-            </a:r>
-          </a:p>
-          <a:p>
-            <a:pPr lvl="2"/>
+              <a:rPr lang="en-GB" dirty="0" smtClean="0">
+                <a:hlinkClick r:id="rId2"/>
+              </a:rPr>
+              <a:t>http</a:t>
+            </a:r>
             <a:r>
               <a:rPr lang="en-GB" dirty="0">
                 <a:hlinkClick r:id="rId2"/>
               </a:rPr>
-              <a:t>http://hpcarcher.github.io/2014-09-16-imperial</a:t>
+              <a:t>://hpcarcher.github.io/2014-09-16-imperial</a:t>
             </a:r>
             <a:r>
               <a:rPr lang="en-GB" dirty="0"/>
@@ -3194,14 +3193,6 @@
           </a:p>
           <a:p>
             <a:pPr lvl="1"/>
-            <a:r>
-              <a:rPr lang="en-GB" dirty="0" err="1" smtClean="0"/>
-              <a:t>EtherPad</a:t>
-            </a:r>
-            <a:endParaRPr lang="en-GB" dirty="0"/>
-          </a:p>
-          <a:p>
-            <a:pPr lvl="2"/>
             <a:r>
               <a:rPr lang="en-GB" dirty="0" smtClean="0">
                 <a:hlinkClick r:id="rId3"/>
@@ -3229,23 +3220,21 @@
           <a:p>
             <a:pPr lvl="1"/>
             <a:r>
-              <a:rPr lang="en-GB" dirty="0" smtClean="0"/>
-              <a:t>GitHub</a:t>
-            </a:r>
-            <a:endParaRPr lang="en-GB" dirty="0" smtClean="0"/>
-          </a:p>
-          <a:p>
-            <a:pPr lvl="2"/>
+              <a:rPr lang="en-GB" smtClean="0">
+                <a:hlinkClick r:id="rId4"/>
+              </a:rPr>
+              <a:t>http</a:t>
+            </a:r>
             <a:r>
               <a:rPr lang="en-GB" dirty="0" smtClean="0">
                 <a:hlinkClick r:id="rId4"/>
               </a:rPr>
-              <a:t>http://github.com/hpcarcher/2014-09-16-imperial-students</a:t>
+              <a:t>://github.com/hpcarcher/2014-09-16-imperial-students</a:t>
             </a:r>
             <a:endParaRPr lang="en-GB" dirty="0" smtClean="0"/>
           </a:p>
           <a:p>
-            <a:pPr lvl="2"/>
+            <a:pPr lvl="1"/>
             <a:r>
               <a:rPr lang="en-GB" dirty="0" smtClean="0">
                 <a:hlinkClick r:id="rId5"/>
@@ -3273,15 +3262,7 @@
           <a:p>
             <a:r>
               <a:rPr lang="en-GB" dirty="0" smtClean="0"/>
-              <a:t>Start </a:t>
-            </a:r>
-            <a:r>
-              <a:rPr lang="en-GB" dirty="0" smtClean="0"/>
-              <a:t>up a bash </a:t>
-            </a:r>
-            <a:r>
-              <a:rPr lang="en-GB" dirty="0" smtClean="0"/>
-              <a:t>shell</a:t>
+              <a:t>Start up a bash shell</a:t>
             </a:r>
             <a:endParaRPr lang="en-GB" dirty="0"/>
           </a:p>
